--- a/assets/structure.pptx
+++ b/assets/structure.pptx
@@ -104,6 +104,11 @@
       </a:defRPr>
     </a:lvl9pPr>
   </p:defaultTextStyle>
+  <p:extLst>
+    <p:ext uri="{EFAFB233-063F-42B5-8137-9DF3F51BA10A}">
+      <p15:sldGuideLst xmlns:p15="http://schemas.microsoft.com/office/powerpoint/2012/main"/>
+    </p:ext>
+  </p:extLst>
 </p:presentation>
 </file>
 
@@ -3580,13 +3585,11 @@
           <a:prstGeom prst="straightConnector1">
             <a:avLst/>
           </a:prstGeom>
-          <a:ln w="12700">
+          <a:ln w="19050">
             <a:solidFill>
-              <a:schemeClr val="accent2">
-                <a:lumMod val="75000"/>
-              </a:schemeClr>
+              <a:schemeClr val="accent2"/>
             </a:solidFill>
-            <a:prstDash val="dash"/>
+            <a:prstDash val="sysDash"/>
             <a:tailEnd type="triangle"/>
           </a:ln>
         </p:spPr>
@@ -3892,25 +3895,24 @@
           </p:cNvPr>
           <p:cNvCxnSpPr>
             <a:cxnSpLocks/>
+            <a:stCxn id="7" idx="3"/>
             <a:endCxn id="12" idx="1"/>
           </p:cNvCxnSpPr>
           <p:nvPr/>
         </p:nvCxnSpPr>
         <p:spPr>
           <a:xfrm flipV="1">
-            <a:off x="2971937" y="2157168"/>
-            <a:ext cx="718314" cy="1017515"/>
+            <a:off x="3070240" y="2157168"/>
+            <a:ext cx="620011" cy="1017515"/>
           </a:xfrm>
           <a:prstGeom prst="straightConnector1">
             <a:avLst/>
           </a:prstGeom>
-          <a:ln w="12700">
+          <a:ln w="19050">
             <a:solidFill>
-              <a:schemeClr val="accent2">
-                <a:lumMod val="75000"/>
-              </a:schemeClr>
+              <a:schemeClr val="accent2"/>
             </a:solidFill>
-            <a:prstDash val="dash"/>
+            <a:prstDash val="sysDash"/>
             <a:tailEnd type="triangle"/>
           </a:ln>
         </p:spPr>
@@ -3940,25 +3942,24 @@
           </p:cNvPr>
           <p:cNvCxnSpPr>
             <a:cxnSpLocks/>
+            <a:stCxn id="7" idx="3"/>
             <a:endCxn id="13" idx="1"/>
           </p:cNvCxnSpPr>
           <p:nvPr/>
         </p:nvCxnSpPr>
         <p:spPr>
           <a:xfrm flipV="1">
-            <a:off x="2971937" y="2881880"/>
-            <a:ext cx="718314" cy="292803"/>
+            <a:off x="3070240" y="2881880"/>
+            <a:ext cx="620011" cy="292803"/>
           </a:xfrm>
           <a:prstGeom prst="straightConnector1">
             <a:avLst/>
           </a:prstGeom>
-          <a:ln w="12700">
+          <a:ln w="19050">
             <a:solidFill>
-              <a:schemeClr val="accent2">
-                <a:lumMod val="75000"/>
-              </a:schemeClr>
+              <a:schemeClr val="accent2"/>
             </a:solidFill>
-            <a:prstDash val="dash"/>
+            <a:prstDash val="sysDash"/>
             <a:tailEnd type="triangle"/>
           </a:ln>
         </p:spPr>
@@ -3988,25 +3989,24 @@
           </p:cNvPr>
           <p:cNvCxnSpPr>
             <a:cxnSpLocks/>
+            <a:stCxn id="7" idx="3"/>
             <a:endCxn id="14" idx="1"/>
           </p:cNvCxnSpPr>
           <p:nvPr/>
         </p:nvCxnSpPr>
         <p:spPr>
           <a:xfrm>
-            <a:off x="2971937" y="3174683"/>
-            <a:ext cx="718313" cy="431909"/>
+            <a:off x="3070240" y="3174683"/>
+            <a:ext cx="620010" cy="431909"/>
           </a:xfrm>
           <a:prstGeom prst="straightConnector1">
             <a:avLst/>
           </a:prstGeom>
-          <a:ln w="12700">
+          <a:ln w="19050">
             <a:solidFill>
-              <a:schemeClr val="accent2">
-                <a:lumMod val="75000"/>
-              </a:schemeClr>
+              <a:schemeClr val="accent2"/>
             </a:solidFill>
-            <a:prstDash val="dash"/>
+            <a:prstDash val="sysDash"/>
             <a:tailEnd type="triangle"/>
           </a:ln>
         </p:spPr>
@@ -4036,25 +4036,24 @@
           </p:cNvPr>
           <p:cNvCxnSpPr>
             <a:cxnSpLocks/>
+            <a:stCxn id="7" idx="3"/>
             <a:endCxn id="15" idx="1"/>
           </p:cNvCxnSpPr>
           <p:nvPr/>
         </p:nvCxnSpPr>
         <p:spPr>
           <a:xfrm>
-            <a:off x="2971937" y="3174683"/>
-            <a:ext cx="718314" cy="1156621"/>
+            <a:off x="3070240" y="3174683"/>
+            <a:ext cx="620011" cy="1156621"/>
           </a:xfrm>
           <a:prstGeom prst="straightConnector1">
             <a:avLst/>
           </a:prstGeom>
-          <a:ln w="12700">
+          <a:ln w="19050">
             <a:solidFill>
-              <a:schemeClr val="accent2">
-                <a:lumMod val="75000"/>
-              </a:schemeClr>
+              <a:schemeClr val="accent2"/>
             </a:solidFill>
-            <a:prstDash val="dash"/>
+            <a:prstDash val="sysDash"/>
             <a:tailEnd type="triangle"/>
           </a:ln>
         </p:spPr>
@@ -5495,7 +5494,7 @@
         </p:nvSpPr>
         <p:spPr>
           <a:xfrm>
-            <a:off x="4032644" y="5357731"/>
+            <a:off x="4570988" y="5357731"/>
             <a:ext cx="1503938" cy="461665"/>
           </a:xfrm>
           <a:prstGeom prst="rect">
@@ -5547,7 +5546,7 @@
         </p:nvSpPr>
         <p:spPr>
           <a:xfrm>
-            <a:off x="3607751" y="5805525"/>
+            <a:off x="4146095" y="5805525"/>
             <a:ext cx="2383922" cy="276999"/>
           </a:xfrm>
           <a:prstGeom prst="rect">
@@ -5602,7 +5601,7 @@
         </p:nvSpPr>
         <p:spPr>
           <a:xfrm>
-            <a:off x="8644858" y="5357731"/>
+            <a:off x="8740616" y="5357731"/>
             <a:ext cx="1149675" cy="461665"/>
           </a:xfrm>
           <a:prstGeom prst="rect">
@@ -5654,7 +5653,7 @@
         </p:nvSpPr>
         <p:spPr>
           <a:xfrm>
-            <a:off x="8569385" y="5805525"/>
+            <a:off x="8665143" y="5805525"/>
             <a:ext cx="1365502" cy="276999"/>
           </a:xfrm>
           <a:prstGeom prst="rect">

--- a/assets/structure.pptx
+++ b/assets/structure.pptx
@@ -3513,7 +3513,7 @@
         </p:nvSpPr>
         <p:spPr>
           <a:xfrm>
-            <a:off x="2057347" y="2868261"/>
+            <a:off x="2057347" y="3084355"/>
             <a:ext cx="1012893" cy="612843"/>
           </a:xfrm>
           <a:prstGeom prst="roundRect">
@@ -3579,7 +3579,7 @@
         </p:nvCxnSpPr>
         <p:spPr>
           <a:xfrm>
-            <a:off x="1447800" y="3174683"/>
+            <a:off x="1447800" y="3390777"/>
             <a:ext cx="609547" cy="0"/>
           </a:xfrm>
           <a:prstGeom prst="straightConnector1">
@@ -3622,7 +3622,7 @@
         </p:nvSpPr>
         <p:spPr>
           <a:xfrm>
-            <a:off x="3690251" y="1850746"/>
+            <a:off x="3608186" y="2016009"/>
             <a:ext cx="1012893" cy="612843"/>
           </a:xfrm>
           <a:prstGeom prst="roundRect">
@@ -3682,7 +3682,7 @@
         </p:nvSpPr>
         <p:spPr>
           <a:xfrm>
-            <a:off x="3690251" y="2575458"/>
+            <a:off x="3608186" y="2740721"/>
             <a:ext cx="1012893" cy="612843"/>
           </a:xfrm>
           <a:prstGeom prst="roundRect">
@@ -3742,7 +3742,7 @@
         </p:nvSpPr>
         <p:spPr>
           <a:xfrm>
-            <a:off x="3690250" y="3300170"/>
+            <a:off x="3608185" y="3465433"/>
             <a:ext cx="1012893" cy="612843"/>
           </a:xfrm>
           <a:prstGeom prst="roundRect">
@@ -3802,7 +3802,7 @@
         </p:nvSpPr>
         <p:spPr>
           <a:xfrm>
-            <a:off x="3690251" y="4024882"/>
+            <a:off x="3608186" y="4190145"/>
             <a:ext cx="1012893" cy="612843"/>
           </a:xfrm>
           <a:prstGeom prst="roundRect">
@@ -3862,7 +3862,7 @@
         </p:nvSpPr>
         <p:spPr>
           <a:xfrm>
-            <a:off x="4023411" y="4749594"/>
+            <a:off x="3972810" y="4769329"/>
             <a:ext cx="346570" cy="369332"/>
           </a:xfrm>
           <a:prstGeom prst="rect">
@@ -3902,8 +3902,8 @@
         </p:nvCxnSpPr>
         <p:spPr>
           <a:xfrm flipV="1">
-            <a:off x="3070240" y="2157168"/>
-            <a:ext cx="620011" cy="1017515"/>
+            <a:off x="3070240" y="2322431"/>
+            <a:ext cx="537946" cy="1068346"/>
           </a:xfrm>
           <a:prstGeom prst="straightConnector1">
             <a:avLst/>
@@ -3949,8 +3949,8 @@
         </p:nvCxnSpPr>
         <p:spPr>
           <a:xfrm flipV="1">
-            <a:off x="3070240" y="2881880"/>
-            <a:ext cx="620011" cy="292803"/>
+            <a:off x="3070240" y="3047143"/>
+            <a:ext cx="537946" cy="343634"/>
           </a:xfrm>
           <a:prstGeom prst="straightConnector1">
             <a:avLst/>
@@ -3996,8 +3996,8 @@
         </p:nvCxnSpPr>
         <p:spPr>
           <a:xfrm>
-            <a:off x="3070240" y="3174683"/>
-            <a:ext cx="620010" cy="431909"/>
+            <a:off x="3070240" y="3390777"/>
+            <a:ext cx="537945" cy="381078"/>
           </a:xfrm>
           <a:prstGeom prst="straightConnector1">
             <a:avLst/>
@@ -4043,8 +4043,8 @@
         </p:nvCxnSpPr>
         <p:spPr>
           <a:xfrm>
-            <a:off x="3070240" y="3174683"/>
-            <a:ext cx="620011" cy="1156621"/>
+            <a:off x="3070240" y="3390777"/>
+            <a:ext cx="537946" cy="1105790"/>
           </a:xfrm>
           <a:prstGeom prst="straightConnector1">
             <a:avLst/>
@@ -5708,7 +5708,7 @@
         </p:nvGrpSpPr>
         <p:grpSpPr>
           <a:xfrm>
-            <a:off x="363172" y="2849132"/>
+            <a:off x="363172" y="3065226"/>
             <a:ext cx="1021302" cy="1312751"/>
             <a:chOff x="277661" y="2661949"/>
             <a:chExt cx="1021302" cy="1312751"/>
@@ -5803,6 +5803,58 @@
           </p:txBody>
         </p:sp>
       </p:grpSp>
+      <p:sp>
+        <p:nvSpPr>
+          <p:cNvPr id="2" name="文本框 1">
+            <a:extLst>
+              <a:ext uri="{FF2B5EF4-FFF2-40B4-BE49-F238E27FC236}">
+                <a16:creationId xmlns:a16="http://schemas.microsoft.com/office/drawing/2014/main" id="{99E364D6-8C49-A7FB-A011-DDF1701F2E34}"/>
+              </a:ext>
+            </a:extLst>
+          </p:cNvPr>
+          <p:cNvSpPr txBox="1"/>
+          <p:nvPr/>
+        </p:nvSpPr>
+        <p:spPr>
+          <a:xfrm>
+            <a:off x="3624731" y="1528518"/>
+            <a:ext cx="936475" cy="461665"/>
+          </a:xfrm>
+          <a:prstGeom prst="rect">
+            <a:avLst/>
+          </a:prstGeom>
+          <a:noFill/>
+        </p:spPr>
+        <p:txBody>
+          <a:bodyPr wrap="none" rtlCol="0">
+            <a:spAutoFit/>
+          </a:bodyPr>
+          <a:lstStyle/>
+          <a:p>
+            <a:pPr algn="ctr"/>
+            <a:r>
+              <a:rPr lang="en-US" altLang="zh-CN" sz="2400" dirty="0">
+                <a:solidFill>
+                  <a:schemeClr val="accent5">
+                    <a:lumMod val="75000"/>
+                  </a:schemeClr>
+                </a:solidFill>
+                <a:latin typeface="Segoe UI Black" panose="020B0A02040204020203" pitchFamily="34" charset="0"/>
+                <a:ea typeface="Segoe UI Black" panose="020B0A02040204020203" pitchFamily="34" charset="0"/>
+              </a:rPr>
+              <a:t>main</a:t>
+            </a:r>
+            <a:endParaRPr lang="zh-CN" altLang="en-US" sz="2400" dirty="0">
+              <a:solidFill>
+                <a:schemeClr val="accent5">
+                  <a:lumMod val="75000"/>
+                </a:schemeClr>
+              </a:solidFill>
+              <a:latin typeface="Segoe UI Black" panose="020B0A02040204020203" pitchFamily="34" charset="0"/>
+            </a:endParaRPr>
+          </a:p>
+        </p:txBody>
+      </p:sp>
     </p:spTree>
     <p:extLst>
       <p:ext uri="{BB962C8B-B14F-4D97-AF65-F5344CB8AC3E}">
